--- a/conferences/2024-ATIA/[Handout-ATIA] - Design Inclusive Digital Experiences, Involve People with Disabilities.pptx
+++ b/conferences/2024-ATIA/[Handout-ATIA] - Design Inclusive Digital Experiences, Involve People with Disabilities.pptx
@@ -9282,7 +9282,7 @@
           <a:lstStyle/>
           <a:p>
             <a:pPr algn="ctr"/>
-            <a:endParaRPr lang="en-US"/>
+            <a:endParaRPr lang="en-US" dirty="0"/>
           </a:p>
         </p:txBody>
       </p:sp>
@@ -17577,6 +17577,45 @@
           </a:p>
         </p:txBody>
       </p:sp>
+      <p:pic>
+        <p:nvPicPr>
+          <p:cNvPr id="2" name="Full RWC Logo" descr="The logo for the Rhonda Weiss Center for Accessible Idea Data">
+            <a:extLst>
+              <a:ext uri="{FF2B5EF4-FFF2-40B4-BE49-F238E27FC236}">
+                <a16:creationId xmlns:a16="http://schemas.microsoft.com/office/drawing/2014/main" id="{A36EC316-4893-4625-880F-71EF4C5A65DE}"/>
+              </a:ext>
+            </a:extLst>
+          </p:cNvPr>
+          <p:cNvPicPr>
+            <a:picLocks noChangeAspect="1"/>
+          </p:cNvPicPr>
+          <p:nvPr/>
+        </p:nvPicPr>
+        <p:blipFill>
+          <a:blip r:embed="rId3">
+            <a:extLst>
+              <a:ext uri="{28A0092B-C50C-407E-A947-70E740481C1C}">
+                <a14:useLocalDpi xmlns:a14="http://schemas.microsoft.com/office/drawing/2010/main"/>
+              </a:ext>
+              <a:ext uri="{96DAC541-7B7A-43D3-8B79-37D633B846F1}">
+                <asvg:svgBlip xmlns:asvg="http://schemas.microsoft.com/office/drawing/2016/SVG/main" r:embed="rId4"/>
+              </a:ext>
+            </a:extLst>
+          </a:blip>
+          <a:stretch>
+            <a:fillRect/>
+          </a:stretch>
+        </p:blipFill>
+        <p:spPr>
+          <a:xfrm>
+            <a:off x="831850" y="5590858"/>
+            <a:ext cx="4134624" cy="786220"/>
+          </a:xfrm>
+          <a:prstGeom prst="rect">
+            <a:avLst/>
+          </a:prstGeom>
+        </p:spPr>
+      </p:pic>
     </p:spTree>
     <p:extLst>
       <p:ext uri="{BB962C8B-B14F-4D97-AF65-F5344CB8AC3E}">

--- a/conferences/2024-ATIA/[Handout-ATIA] - Design Inclusive Digital Experiences, Involve People with Disabilities.pptx
+++ b/conferences/2024-ATIA/[Handout-ATIA] - Design Inclusive Digital Experiences, Involve People with Disabilities.pptx
@@ -17487,8 +17487,8 @@
         </p:nvSpPr>
         <p:spPr>
           <a:xfrm>
-            <a:off x="831850" y="730025"/>
-            <a:ext cx="10864850" cy="2518225"/>
+            <a:off x="831850" y="730026"/>
+            <a:ext cx="10864850" cy="1676844"/>
           </a:xfrm>
         </p:spPr>
         <p:txBody>
@@ -17498,7 +17498,7 @@
           <a:lstStyle/>
           <a:p>
             <a:r>
-              <a:rPr lang="en-US" sz="4800">
+              <a:rPr lang="en-US" sz="4800" dirty="0">
                 <a:latin typeface="Public Sans"/>
               </a:rPr>
               <a:t>Design Inclusive Digital Experiences, Involve People with Disabilities</a:t>
@@ -17524,8 +17524,8 @@
         </p:nvSpPr>
         <p:spPr>
           <a:xfrm>
-            <a:off x="831850" y="3609750"/>
-            <a:ext cx="10515600" cy="1500187"/>
+            <a:off x="831850" y="2617076"/>
+            <a:ext cx="10515600" cy="2492861"/>
           </a:xfrm>
         </p:spPr>
         <p:txBody>
@@ -17535,7 +17535,7 @@
           <a:lstStyle/>
           <a:p>
             <a:r>
-              <a:rPr lang="en-US">
+              <a:rPr lang="en-US" dirty="0">
                 <a:latin typeface="Public Sans"/>
               </a:rPr>
               <a:t>A Human-Centered Approach to IDEA Data Reporting.</a:t>
@@ -17548,28 +17548,28 @@
               </a:lnSpc>
             </a:pPr>
             <a:r>
-              <a:rPr lang="en-US" sz="1800">
+              <a:rPr lang="en-US" sz="1800" dirty="0">
                 <a:latin typeface="Public Sans"/>
               </a:rPr>
               <a:t>Presenters: Nichole Bui, Marcelo Paiva, and Sara </a:t>
             </a:r>
             <a:r>
-              <a:rPr lang="en-US" sz="1800" err="1">
+              <a:rPr lang="en-US" sz="1800" dirty="0" err="1">
                 <a:latin typeface="Public Sans"/>
               </a:rPr>
               <a:t>Sinani</a:t>
             </a:r>
             <a:r>
-              <a:rPr lang="en-US" sz="1800">
+              <a:rPr lang="en-US" sz="1800" dirty="0">
                 <a:latin typeface="Public Sans"/>
               </a:rPr>
               <a:t>.</a:t>
             </a:r>
             <a:br>
-              <a:rPr lang="en-US" sz="1800"/>
+              <a:rPr lang="en-US" sz="1800" dirty="0"/>
             </a:br>
             <a:r>
-              <a:rPr lang="en-US" sz="1800">
+              <a:rPr lang="en-US" sz="1800" dirty="0">
                 <a:latin typeface="Public Sans"/>
               </a:rPr>
               <a:t>January 26, 2024 – 9:45 AM – Magnolia 2</a:t>
@@ -17616,6 +17616,51 @@
           </a:prstGeom>
         </p:spPr>
       </p:pic>
+      <p:sp>
+        <p:nvSpPr>
+          <p:cNvPr id="5" name="TextBox 4">
+            <a:extLst>
+              <a:ext uri="{FF2B5EF4-FFF2-40B4-BE49-F238E27FC236}">
+                <a16:creationId xmlns:a16="http://schemas.microsoft.com/office/drawing/2014/main" id="{BB8F26A7-2B67-91C4-BC2D-3B36FED92CF1}"/>
+              </a:ext>
+            </a:extLst>
+          </p:cNvPr>
+          <p:cNvSpPr txBox="1"/>
+          <p:nvPr/>
+        </p:nvSpPr>
+        <p:spPr>
+          <a:xfrm>
+            <a:off x="7819696" y="5758642"/>
+            <a:ext cx="3121573" cy="369332"/>
+          </a:xfrm>
+          <a:prstGeom prst="rect">
+            <a:avLst/>
+          </a:prstGeom>
+          <a:noFill/>
+        </p:spPr>
+        <p:txBody>
+          <a:bodyPr wrap="square" rtlCol="0">
+            <a:spAutoFit/>
+          </a:bodyPr>
+          <a:lstStyle/>
+          <a:p>
+            <a:r>
+              <a:rPr lang="en-US" dirty="0">
+                <a:solidFill>
+                  <a:srgbClr val="FF0000"/>
+                </a:solidFill>
+                <a:hlinkClick r:id="rId5"/>
+              </a:rPr>
+              <a:t>Download PDF</a:t>
+            </a:r>
+            <a:endParaRPr lang="en-US" dirty="0">
+              <a:solidFill>
+                <a:srgbClr val="FF0000"/>
+              </a:solidFill>
+            </a:endParaRPr>
+          </a:p>
+        </p:txBody>
+      </p:sp>
     </p:spTree>
     <p:extLst>
       <p:ext uri="{BB962C8B-B14F-4D97-AF65-F5344CB8AC3E}">

--- a/conferences/2024-ATIA/[Handout-ATIA] - Design Inclusive Digital Experiences, Involve People with Disabilities.pptx
+++ b/conferences/2024-ATIA/[Handout-ATIA] - Design Inclusive Digital Experiences, Involve People with Disabilities.pptx
@@ -17661,6 +17661,42 @@
           </a:p>
         </p:txBody>
       </p:sp>
+      <p:pic>
+        <p:nvPicPr>
+          <p:cNvPr id="52" name="Picture 51" descr="A black background with white text&#10;&#10;Description automatically generated">
+            <a:extLst>
+              <a:ext uri="{FF2B5EF4-FFF2-40B4-BE49-F238E27FC236}">
+                <a16:creationId xmlns:a16="http://schemas.microsoft.com/office/drawing/2014/main" id="{76EBE882-CFFA-2C02-6748-516517A9D918}"/>
+              </a:ext>
+            </a:extLst>
+          </p:cNvPr>
+          <p:cNvPicPr>
+            <a:picLocks noChangeAspect="1"/>
+          </p:cNvPicPr>
+          <p:nvPr/>
+        </p:nvPicPr>
+        <p:blipFill>
+          <a:blip r:embed="rId6">
+            <a:extLst>
+              <a:ext uri="{28A0092B-C50C-407E-A947-70E740481C1C}">
+                <a14:useLocalDpi xmlns:a14="http://schemas.microsoft.com/office/drawing/2010/main" val="0"/>
+              </a:ext>
+            </a:extLst>
+          </a:blip>
+          <a:stretch>
+            <a:fillRect/>
+          </a:stretch>
+        </p:blipFill>
+        <p:spPr>
+          <a:xfrm>
+            <a:off x="3098028" y="5109937"/>
+            <a:ext cx="4127500" cy="800100"/>
+          </a:xfrm>
+          <a:prstGeom prst="rect">
+            <a:avLst/>
+          </a:prstGeom>
+        </p:spPr>
+      </p:pic>
     </p:spTree>
     <p:extLst>
       <p:ext uri="{BB962C8B-B14F-4D97-AF65-F5344CB8AC3E}">

--- a/conferences/2024-ATIA/[Handout-ATIA] - Design Inclusive Digital Experiences, Involve People with Disabilities.pptx
+++ b/conferences/2024-ATIA/[Handout-ATIA] - Design Inclusive Digital Experiences, Involve People with Disabilities.pptx
@@ -3379,7 +3379,7 @@
       </p:sp>
       <p:pic>
         <p:nvPicPr>
-          <p:cNvPr id="4" name="Picture 3" descr="A black background with white text&#10;&#10;Description automatically generated">
+          <p:cNvPr id="4" name="Picture 3" descr="RHONDA WEISS CENTER">
             <a:extLst>
               <a:ext uri="{FF2B5EF4-FFF2-40B4-BE49-F238E27FC236}">
                 <a16:creationId xmlns:a16="http://schemas.microsoft.com/office/drawing/2014/main" id="{597BB684-0D91-94D4-DA49-384611327BCC}"/>
@@ -3405,7 +3405,7 @@
         </p:blipFill>
         <p:spPr>
           <a:xfrm>
-            <a:off x="3098028" y="5109937"/>
+            <a:off x="960309" y="908640"/>
             <a:ext cx="4127500" cy="800100"/>
           </a:xfrm>
           <a:prstGeom prst="rect">

--- a/conferences/2024-ATIA/[Handout-ATIA] - Design Inclusive Digital Experiences, Involve People with Disabilities.pptx
+++ b/conferences/2024-ATIA/[Handout-ATIA] - Design Inclusive Digital Experiences, Involve People with Disabilities.pptx
@@ -3337,82 +3337,71 @@
             <p:ph type="ctrTitle"/>
           </p:nvPr>
         </p:nvSpPr>
-        <p:spPr/>
-        <p:txBody>
-          <a:bodyPr/>
-          <a:lstStyle/>
-          <a:p>
-            <a:r>
-              <a:rPr lang="en-US" dirty="0"/>
-              <a:t>Title </a:t>
-            </a:r>
-          </a:p>
-        </p:txBody>
-      </p:sp>
-      <p:sp>
-        <p:nvSpPr>
-          <p:cNvPr id="3" name="Subtitle 2">
-            <a:extLst>
-              <a:ext uri="{FF2B5EF4-FFF2-40B4-BE49-F238E27FC236}">
-                <a16:creationId xmlns:a16="http://schemas.microsoft.com/office/drawing/2014/main" id="{EC45707B-765A-8B97-0D2B-0E739347BADE}"/>
-              </a:ext>
-            </a:extLst>
-          </p:cNvPr>
-          <p:cNvSpPr>
-            <a:spLocks noGrp="1"/>
-          </p:cNvSpPr>
-          <p:nvPr>
-            <p:ph type="subTitle" idx="1"/>
-          </p:nvPr>
-        </p:nvSpPr>
-        <p:spPr/>
-        <p:txBody>
-          <a:bodyPr/>
-          <a:lstStyle/>
-          <a:p>
-            <a:r>
-              <a:rPr lang="en-US" dirty="0"/>
-              <a:t>Subtitle</a:t>
-            </a:r>
-          </a:p>
-        </p:txBody>
-      </p:sp>
-      <p:pic>
-        <p:nvPicPr>
-          <p:cNvPr id="4" name="Picture 3" descr="RHONDA WEISS CENTER">
-            <a:extLst>
-              <a:ext uri="{FF2B5EF4-FFF2-40B4-BE49-F238E27FC236}">
-                <a16:creationId xmlns:a16="http://schemas.microsoft.com/office/drawing/2014/main" id="{597BB684-0D91-94D4-DA49-384611327BCC}"/>
-              </a:ext>
-            </a:extLst>
-          </p:cNvPr>
-          <p:cNvPicPr>
-            <a:picLocks noChangeAspect="1"/>
-          </p:cNvPicPr>
-          <p:nvPr/>
-        </p:nvPicPr>
-        <p:blipFill>
-          <a:blip r:embed="rId2">
-            <a:extLst>
-              <a:ext uri="{28A0092B-C50C-407E-A947-70E740481C1C}">
-                <a14:useLocalDpi xmlns:a14="http://schemas.microsoft.com/office/drawing/2010/main" val="0"/>
-              </a:ext>
-            </a:extLst>
-          </a:blip>
-          <a:stretch>
-            <a:fillRect/>
-          </a:stretch>
-        </p:blipFill>
         <p:spPr>
           <a:xfrm>
-            <a:off x="960309" y="908640"/>
-            <a:ext cx="4127500" cy="800100"/>
+            <a:off x="1524000" y="1122363"/>
+            <a:ext cx="9144000" cy="3177788"/>
           </a:xfrm>
-          <a:prstGeom prst="rect">
-            <a:avLst/>
-          </a:prstGeom>
         </p:spPr>
-      </p:pic>
+        <p:txBody>
+          <a:bodyPr anchor="ctr">
+            <a:normAutofit/>
+          </a:bodyPr>
+          <a:lstStyle/>
+          <a:p>
+            <a:r>
+              <a:rPr lang="en-US" b="1" dirty="0"/>
+              <a:t>ATIA 2024</a:t>
+            </a:r>
+            <a:br>
+              <a:rPr lang="en-US" dirty="0"/>
+            </a:br>
+            <a:r>
+              <a:rPr lang="en-US" sz="4800" dirty="0"/>
+              <a:t>Design Inclusive Digital Experiences, Involve People with Disabilities​</a:t>
+            </a:r>
+            <a:endParaRPr lang="en-US" dirty="0"/>
+          </a:p>
+        </p:txBody>
+      </p:sp>
+      <p:sp>
+        <p:nvSpPr>
+          <p:cNvPr id="3" name="Subtitle 2">
+            <a:extLst>
+              <a:ext uri="{FF2B5EF4-FFF2-40B4-BE49-F238E27FC236}">
+                <a16:creationId xmlns:a16="http://schemas.microsoft.com/office/drawing/2014/main" id="{EC45707B-765A-8B97-0D2B-0E739347BADE}"/>
+              </a:ext>
+            </a:extLst>
+          </p:cNvPr>
+          <p:cNvSpPr>
+            <a:spLocks noGrp="1"/>
+          </p:cNvSpPr>
+          <p:nvPr>
+            <p:ph type="subTitle" idx="1"/>
+          </p:nvPr>
+        </p:nvSpPr>
+        <p:spPr>
+          <a:xfrm>
+            <a:off x="1524000" y="4423718"/>
+            <a:ext cx="9144000" cy="1692877"/>
+          </a:xfrm>
+        </p:spPr>
+        <p:txBody>
+          <a:bodyPr anchor="ctr">
+            <a:normAutofit/>
+          </a:bodyPr>
+          <a:lstStyle/>
+          <a:p>
+            <a:r>
+              <a:rPr lang="en-US" sz="6000" dirty="0">
+                <a:hlinkClick r:id="rId2"/>
+              </a:rPr>
+              <a:t>Download PDF</a:t>
+            </a:r>
+            <a:endParaRPr lang="en-US" sz="6000" dirty="0"/>
+          </a:p>
+        </p:txBody>
+      </p:sp>
     </p:spTree>
     <p:extLst>
       <p:ext uri="{BB962C8B-B14F-4D97-AF65-F5344CB8AC3E}">
